--- a/Programacion web extendido/PW_Sesión14.pptx
+++ b/Programacion web extendido/PW_Sesión14.pptx
@@ -5,7 +5,7 @@
     <p:sldMasterId id="2147483648" r:id="rId1"/>
   </p:sldMasterIdLst>
   <p:handoutMasterIdLst>
-    <p:handoutMasterId r:id="rId11"/>
+    <p:handoutMasterId r:id="rId12"/>
   </p:handoutMasterIdLst>
   <p:sldIdLst>
     <p:sldId id="256" r:id="rId2"/>
@@ -15,8 +15,9 @@
     <p:sldId id="277" r:id="rId6"/>
     <p:sldId id="275" r:id="rId7"/>
     <p:sldId id="276" r:id="rId8"/>
-    <p:sldId id="278" r:id="rId9"/>
-    <p:sldId id="261" r:id="rId10"/>
+    <p:sldId id="279" r:id="rId9"/>
+    <p:sldId id="278" r:id="rId10"/>
+    <p:sldId id="261" r:id="rId11"/>
   </p:sldIdLst>
   <p:sldSz cx="12192000" cy="6858000"/>
   <p:notesSz cx="6858000" cy="9144000"/>
@@ -220,7 +221,7 @@
           <a:p>
             <a:fld id="{7FF7D7FF-DDC7-474C-8526-899954A31AD1}" type="datetimeFigureOut">
               <a:rPr lang="es-EC" smtClean="0"/>
-              <a:t>2/9/2024</a:t>
+              <a:t>1/10/2024</a:t>
             </a:fld>
             <a:endParaRPr lang="es-EC"/>
           </a:p>
@@ -646,7 +647,7 @@
           <a:p>
             <a:fld id="{8FEB83C7-CE7D-EE43-931B-A983B2AE7CF3}" type="datetimeFigureOut">
               <a:rPr lang="es-EC" smtClean="0"/>
-              <a:t>2/9/2024</a:t>
+              <a:t>1/10/2024</a:t>
             </a:fld>
             <a:endParaRPr lang="es-EC"/>
           </a:p>
@@ -1146,6 +1147,36 @@
 </p:sld>
 </file>
 
+<file path=ppt/slides/slide10.xml><?xml version="1.0" encoding="utf-8"?>
+<p:sld xmlns:a="http://schemas.openxmlformats.org/drawingml/2006/main" xmlns:r="http://schemas.openxmlformats.org/officeDocument/2006/relationships" xmlns:p="http://schemas.openxmlformats.org/presentationml/2006/main">
+  <p:cSld>
+    <p:spTree>
+      <p:nvGrpSpPr>
+        <p:cNvPr id="1" name=""/>
+        <p:cNvGrpSpPr/>
+        <p:nvPr/>
+      </p:nvGrpSpPr>
+      <p:grpSpPr>
+        <a:xfrm>
+          <a:off x="0" y="0"/>
+          <a:ext cx="0" cy="0"/>
+          <a:chOff x="0" y="0"/>
+          <a:chExt cx="0" cy="0"/>
+        </a:xfrm>
+      </p:grpSpPr>
+    </p:spTree>
+    <p:extLst>
+      <p:ext uri="{BB962C8B-B14F-4D97-AF65-F5344CB8AC3E}">
+        <p14:creationId xmlns:p14="http://schemas.microsoft.com/office/powerpoint/2010/main" val="1741919490"/>
+      </p:ext>
+    </p:extLst>
+  </p:cSld>
+  <p:clrMapOvr>
+    <a:masterClrMapping/>
+  </p:clrMapOvr>
+</p:sld>
+</file>
+
 <file path=ppt/slides/slide2.xml><?xml version="1.0" encoding="utf-8"?>
 <p:sld xmlns:a="http://schemas.openxmlformats.org/drawingml/2006/main" xmlns:r="http://schemas.openxmlformats.org/officeDocument/2006/relationships" xmlns:p="http://schemas.openxmlformats.org/presentationml/2006/main">
   <p:cSld>
@@ -2185,91 +2216,94 @@
       </p:grpSpPr>
       <p:sp>
         <p:nvSpPr>
-          <p:cNvPr id="2" name="CuadroTexto 1">
-            <a:extLst>
-              <a:ext uri="{FF2B5EF4-FFF2-40B4-BE49-F238E27FC236}">
-                <a16:creationId xmlns:a16="http://schemas.microsoft.com/office/drawing/2014/main" id="{C039AC4B-9467-C1F1-C1CD-D0B1FD8E140B}"/>
-              </a:ext>
-            </a:extLst>
-          </p:cNvPr>
-          <p:cNvSpPr txBox="1"/>
-          <p:nvPr/>
+          <p:cNvPr id="2" name="Título 1">
+            <a:extLst>
+              <a:ext uri="{FF2B5EF4-FFF2-40B4-BE49-F238E27FC236}">
+                <a16:creationId xmlns:a16="http://schemas.microsoft.com/office/drawing/2014/main" id="{B8ABAACC-5240-4E68-A4E9-ACA6E7A4B0A2}"/>
+              </a:ext>
+            </a:extLst>
+          </p:cNvPr>
+          <p:cNvSpPr>
+            <a:spLocks noGrp="1"/>
+          </p:cNvSpPr>
+          <p:nvPr>
+            <p:ph type="title" idx="4294967295"/>
+          </p:nvPr>
         </p:nvSpPr>
         <p:spPr>
           <a:xfrm>
-            <a:off x="653143" y="1399592"/>
-            <a:ext cx="767390" cy="369332"/>
-          </a:xfrm>
-          <a:prstGeom prst="rect">
-            <a:avLst/>
-          </a:prstGeom>
-          <a:noFill/>
+            <a:off x="492369" y="1395046"/>
+            <a:ext cx="11218985" cy="295642"/>
+          </a:xfrm>
         </p:spPr>
         <p:txBody>
-          <a:bodyPr wrap="none" rtlCol="0">
-            <a:spAutoFit/>
+          <a:bodyPr>
+            <a:noAutofit/>
           </a:bodyPr>
           <a:lstStyle/>
           <a:p>
             <a:r>
-              <a:rPr lang="es-419" b="1" dirty="0"/>
-              <a:t>Tarea:</a:t>
+              <a:rPr lang="es-EC" sz="3200" b="1" dirty="0"/>
+              <a:t>Tarea: Implementación de un sitio web empleando Bootstrap</a:t>
             </a:r>
           </a:p>
         </p:txBody>
       </p:sp>
       <p:sp>
         <p:nvSpPr>
-          <p:cNvPr id="3" name="CuadroTexto 2">
-            <a:extLst>
-              <a:ext uri="{FF2B5EF4-FFF2-40B4-BE49-F238E27FC236}">
-                <a16:creationId xmlns:a16="http://schemas.microsoft.com/office/drawing/2014/main" id="{40F7B952-BAA4-6965-904C-4F3A6BE0274C}"/>
-              </a:ext>
-            </a:extLst>
-          </p:cNvPr>
-          <p:cNvSpPr txBox="1"/>
-          <p:nvPr/>
+          <p:cNvPr id="3" name="Marcador de contenido 2">
+            <a:extLst>
+              <a:ext uri="{FF2B5EF4-FFF2-40B4-BE49-F238E27FC236}">
+                <a16:creationId xmlns:a16="http://schemas.microsoft.com/office/drawing/2014/main" id="{055CBC30-9FA5-4F46-97C3-766A43887EE6}"/>
+              </a:ext>
+            </a:extLst>
+          </p:cNvPr>
+          <p:cNvSpPr>
+            <a:spLocks noGrp="1"/>
+          </p:cNvSpPr>
+          <p:nvPr>
+            <p:ph idx="4294967295"/>
+          </p:nvPr>
         </p:nvSpPr>
         <p:spPr>
           <a:xfrm>
-            <a:off x="653143" y="2084132"/>
-            <a:ext cx="4599977" cy="646331"/>
-          </a:xfrm>
-          <a:prstGeom prst="rect">
-            <a:avLst/>
-          </a:prstGeom>
-          <a:noFill/>
+            <a:off x="492369" y="1825625"/>
+            <a:ext cx="11218985" cy="4351338"/>
+          </a:xfrm>
         </p:spPr>
         <p:txBody>
-          <a:bodyPr wrap="none" rtlCol="0">
-            <a:spAutoFit/>
+          <a:bodyPr>
+            <a:normAutofit/>
           </a:bodyPr>
           <a:lstStyle/>
           <a:p>
-            <a:pPr marL="285750" indent="-285750">
-              <a:buFont typeface="Arial" panose="020B0604020202020204" pitchFamily="34" charset="0"/>
-              <a:buChar char="•"/>
-            </a:pPr>
-            <a:r>
-              <a:rPr lang="es-419" dirty="0"/>
-              <a:t>Añadir al sitio web en desarrollo dos videos.</a:t>
-            </a:r>
-          </a:p>
-          <a:p>
-            <a:pPr marL="285750" indent="-285750">
-              <a:buFont typeface="Arial" panose="020B0604020202020204" pitchFamily="34" charset="0"/>
-              <a:buChar char="•"/>
-            </a:pPr>
-            <a:endParaRPr lang="es-419" dirty="0"/>
+            <a:pPr algn="just"/>
+            <a:endParaRPr lang="es-EC" sz="1400" dirty="0"/>
+          </a:p>
+          <a:p>
+            <a:pPr algn="just"/>
+            <a:r>
+              <a:rPr lang="es-EC" sz="1800" dirty="0"/>
+              <a:t>Crear un sitio web empleando el </a:t>
+            </a:r>
+            <a:r>
+              <a:rPr lang="es-EC" sz="1800" dirty="0" err="1"/>
+              <a:t>framework</a:t>
+            </a:r>
+            <a:r>
+              <a:rPr lang="es-EC" sz="1800" dirty="0"/>
+              <a:t> Bootstrap referente a cualquier temática.</a:t>
+            </a:r>
+            <a:endParaRPr lang="es-EC" sz="2000" dirty="0"/>
           </a:p>
         </p:txBody>
       </p:sp>
       <p:pic>
         <p:nvPicPr>
-          <p:cNvPr id="2050" name="Picture 2" descr="Cómo separar el audio de un vídeo | Clipchamp Blog">
-            <a:extLst>
-              <a:ext uri="{FF2B5EF4-FFF2-40B4-BE49-F238E27FC236}">
-                <a16:creationId xmlns:a16="http://schemas.microsoft.com/office/drawing/2014/main" id="{DA302D89-46DE-3CC1-51F8-6154890396E1}"/>
+          <p:cNvPr id="1026" name="Picture 2" descr="Bootstrap 4. ¿Vale la pena actualizar?">
+            <a:extLst>
+              <a:ext uri="{FF2B5EF4-FFF2-40B4-BE49-F238E27FC236}">
+                <a16:creationId xmlns:a16="http://schemas.microsoft.com/office/drawing/2014/main" id="{2BADA9C9-95CD-001A-44F9-F10449D3B1D7}"/>
               </a:ext>
             </a:extLst>
           </p:cNvPr>
@@ -2293,8 +2327,8 @@
         </p:blipFill>
         <p:spPr bwMode="auto">
           <a:xfrm>
-            <a:off x="3693399" y="2787666"/>
-            <a:ext cx="4805201" cy="2847136"/>
+            <a:off x="4714583" y="2891892"/>
+            <a:ext cx="3057817" cy="2571062"/>
           </a:xfrm>
           <a:prstGeom prst="rect">
             <a:avLst/>
@@ -2314,7 +2348,7 @@
     </p:spTree>
     <p:extLst>
       <p:ext uri="{BB962C8B-B14F-4D97-AF65-F5344CB8AC3E}">
-        <p14:creationId xmlns:p14="http://schemas.microsoft.com/office/powerpoint/2010/main" val="1706727917"/>
+        <p14:creationId xmlns:p14="http://schemas.microsoft.com/office/powerpoint/2010/main" val="161920326"/>
       </p:ext>
     </p:extLst>
   </p:cSld>
@@ -2341,10 +2375,103 @@
           <a:chExt cx="0" cy="0"/>
         </a:xfrm>
       </p:grpSpPr>
+      <p:sp>
+        <p:nvSpPr>
+          <p:cNvPr id="3" name="CuadroTexto 2">
+            <a:extLst>
+              <a:ext uri="{FF2B5EF4-FFF2-40B4-BE49-F238E27FC236}">
+                <a16:creationId xmlns:a16="http://schemas.microsoft.com/office/drawing/2014/main" id="{40F7B952-BAA4-6965-904C-4F3A6BE0274C}"/>
+              </a:ext>
+            </a:extLst>
+          </p:cNvPr>
+          <p:cNvSpPr txBox="1"/>
+          <p:nvPr/>
+        </p:nvSpPr>
+        <p:spPr>
+          <a:xfrm>
+            <a:off x="557893" y="1341182"/>
+            <a:ext cx="4599977" cy="646331"/>
+          </a:xfrm>
+          <a:prstGeom prst="rect">
+            <a:avLst/>
+          </a:prstGeom>
+          <a:noFill/>
+        </p:spPr>
+        <p:txBody>
+          <a:bodyPr wrap="none" rtlCol="0">
+            <a:spAutoFit/>
+          </a:bodyPr>
+          <a:lstStyle/>
+          <a:p>
+            <a:pPr marL="285750" indent="-285750">
+              <a:buFont typeface="Arial" panose="020B0604020202020204" pitchFamily="34" charset="0"/>
+              <a:buChar char="•"/>
+            </a:pPr>
+            <a:r>
+              <a:rPr lang="es-419" dirty="0"/>
+              <a:t>Añadir al sitio web en desarrollo dos videos.</a:t>
+            </a:r>
+          </a:p>
+          <a:p>
+            <a:pPr marL="285750" indent="-285750">
+              <a:buFont typeface="Arial" panose="020B0604020202020204" pitchFamily="34" charset="0"/>
+              <a:buChar char="•"/>
+            </a:pPr>
+            <a:endParaRPr lang="es-419" dirty="0"/>
+          </a:p>
+        </p:txBody>
+      </p:sp>
+      <p:pic>
+        <p:nvPicPr>
+          <p:cNvPr id="2050" name="Picture 2" descr="Cómo separar el audio de un vídeo | Clipchamp Blog">
+            <a:extLst>
+              <a:ext uri="{FF2B5EF4-FFF2-40B4-BE49-F238E27FC236}">
+                <a16:creationId xmlns:a16="http://schemas.microsoft.com/office/drawing/2014/main" id="{DA302D89-46DE-3CC1-51F8-6154890396E1}"/>
+              </a:ext>
+            </a:extLst>
+          </p:cNvPr>
+          <p:cNvPicPr>
+            <a:picLocks noChangeAspect="1" noChangeArrowheads="1"/>
+          </p:cNvPicPr>
+          <p:nvPr/>
+        </p:nvPicPr>
+        <p:blipFill>
+          <a:blip r:embed="rId2">
+            <a:extLst>
+              <a:ext uri="{28A0092B-C50C-407E-A947-70E740481C1C}">
+                <a14:useLocalDpi xmlns:a14="http://schemas.microsoft.com/office/drawing/2010/main" val="0"/>
+              </a:ext>
+            </a:extLst>
+          </a:blip>
+          <a:srcRect/>
+          <a:stretch>
+            <a:fillRect/>
+          </a:stretch>
+        </p:blipFill>
+        <p:spPr bwMode="auto">
+          <a:xfrm>
+            <a:off x="3693399" y="2787666"/>
+            <a:ext cx="4805201" cy="2847136"/>
+          </a:xfrm>
+          <a:prstGeom prst="rect">
+            <a:avLst/>
+          </a:prstGeom>
+          <a:noFill/>
+          <a:extLst>
+            <a:ext uri="{909E8E84-426E-40DD-AFC4-6F175D3DCCD1}">
+              <a14:hiddenFill xmlns:a14="http://schemas.microsoft.com/office/drawing/2010/main">
+                <a:solidFill>
+                  <a:srgbClr val="FFFFFF"/>
+                </a:solidFill>
+              </a14:hiddenFill>
+            </a:ext>
+          </a:extLst>
+        </p:spPr>
+      </p:pic>
     </p:spTree>
     <p:extLst>
       <p:ext uri="{BB962C8B-B14F-4D97-AF65-F5344CB8AC3E}">
-        <p14:creationId xmlns:p14="http://schemas.microsoft.com/office/powerpoint/2010/main" val="1741919490"/>
+        <p14:creationId xmlns:p14="http://schemas.microsoft.com/office/powerpoint/2010/main" val="1706727917"/>
       </p:ext>
     </p:extLst>
   </p:cSld>
